--- a/Problems/VBA.pptx
+++ b/Problems/VBA.pptx
@@ -58,6 +58,21 @@
     <p:sldId id="306" r:id="rId52"/>
     <p:sldId id="307" r:id="rId53"/>
     <p:sldId id="308" r:id="rId54"/>
+    <p:sldId id="311" r:id="rId55"/>
+    <p:sldId id="314" r:id="rId56"/>
+    <p:sldId id="315" r:id="rId57"/>
+    <p:sldId id="313" r:id="rId58"/>
+    <p:sldId id="310" r:id="rId59"/>
+    <p:sldId id="322" r:id="rId60"/>
+    <p:sldId id="320" r:id="rId61"/>
+    <p:sldId id="326" r:id="rId62"/>
+    <p:sldId id="327" r:id="rId63"/>
+    <p:sldId id="324" r:id="rId64"/>
+    <p:sldId id="325" r:id="rId65"/>
+    <p:sldId id="328" r:id="rId66"/>
+    <p:sldId id="309" r:id="rId67"/>
+    <p:sldId id="329" r:id="rId68"/>
+    <p:sldId id="323" r:id="rId69"/>
   </p:sldIdLst>
   <p:sldSz cx="12192000" cy="6858000"/>
   <p:notesSz cx="6858000" cy="9144000"/>
@@ -323,7 +338,7 @@
           <a:p>
             <a:fld id="{01DEBE33-28BA-4E9E-AB1A-A675E6078FEF}" type="datetimeFigureOut">
               <a:rPr lang="en-US" smtClean="0"/>
-              <a:t>4/16/2019</a:t>
+              <a:t>5/5/2019</a:t>
             </a:fld>
             <a:endParaRPr lang="en-US"/>
           </a:p>
@@ -521,7 +536,7 @@
           <a:p>
             <a:fld id="{01DEBE33-28BA-4E9E-AB1A-A675E6078FEF}" type="datetimeFigureOut">
               <a:rPr lang="en-US" smtClean="0"/>
-              <a:t>4/16/2019</a:t>
+              <a:t>5/5/2019</a:t>
             </a:fld>
             <a:endParaRPr lang="en-US"/>
           </a:p>
@@ -729,7 +744,7 @@
           <a:p>
             <a:fld id="{01DEBE33-28BA-4E9E-AB1A-A675E6078FEF}" type="datetimeFigureOut">
               <a:rPr lang="en-US" smtClean="0"/>
-              <a:t>4/16/2019</a:t>
+              <a:t>5/5/2019</a:t>
             </a:fld>
             <a:endParaRPr lang="en-US"/>
           </a:p>
@@ -927,7 +942,7 @@
           <a:p>
             <a:fld id="{01DEBE33-28BA-4E9E-AB1A-A675E6078FEF}" type="datetimeFigureOut">
               <a:rPr lang="en-US" smtClean="0"/>
-              <a:t>4/16/2019</a:t>
+              <a:t>5/5/2019</a:t>
             </a:fld>
             <a:endParaRPr lang="en-US"/>
           </a:p>
@@ -1202,7 +1217,7 @@
           <a:p>
             <a:fld id="{01DEBE33-28BA-4E9E-AB1A-A675E6078FEF}" type="datetimeFigureOut">
               <a:rPr lang="en-US" smtClean="0"/>
-              <a:t>4/16/2019</a:t>
+              <a:t>5/5/2019</a:t>
             </a:fld>
             <a:endParaRPr lang="en-US"/>
           </a:p>
@@ -1467,7 +1482,7 @@
           <a:p>
             <a:fld id="{01DEBE33-28BA-4E9E-AB1A-A675E6078FEF}" type="datetimeFigureOut">
               <a:rPr lang="en-US" smtClean="0"/>
-              <a:t>4/16/2019</a:t>
+              <a:t>5/5/2019</a:t>
             </a:fld>
             <a:endParaRPr lang="en-US"/>
           </a:p>
@@ -1879,7 +1894,7 @@
           <a:p>
             <a:fld id="{01DEBE33-28BA-4E9E-AB1A-A675E6078FEF}" type="datetimeFigureOut">
               <a:rPr lang="en-US" smtClean="0"/>
-              <a:t>4/16/2019</a:t>
+              <a:t>5/5/2019</a:t>
             </a:fld>
             <a:endParaRPr lang="en-US"/>
           </a:p>
@@ -2020,7 +2035,7 @@
           <a:p>
             <a:fld id="{01DEBE33-28BA-4E9E-AB1A-A675E6078FEF}" type="datetimeFigureOut">
               <a:rPr lang="en-US" smtClean="0"/>
-              <a:t>4/16/2019</a:t>
+              <a:t>5/5/2019</a:t>
             </a:fld>
             <a:endParaRPr lang="en-US"/>
           </a:p>
@@ -2133,7 +2148,7 @@
           <a:p>
             <a:fld id="{01DEBE33-28BA-4E9E-AB1A-A675E6078FEF}" type="datetimeFigureOut">
               <a:rPr lang="en-US" smtClean="0"/>
-              <a:t>4/16/2019</a:t>
+              <a:t>5/5/2019</a:t>
             </a:fld>
             <a:endParaRPr lang="en-US"/>
           </a:p>
@@ -2444,7 +2459,7 @@
           <a:p>
             <a:fld id="{01DEBE33-28BA-4E9E-AB1A-A675E6078FEF}" type="datetimeFigureOut">
               <a:rPr lang="en-US" smtClean="0"/>
-              <a:t>4/16/2019</a:t>
+              <a:t>5/5/2019</a:t>
             </a:fld>
             <a:endParaRPr lang="en-US"/>
           </a:p>
@@ -2732,7 +2747,7 @@
           <a:p>
             <a:fld id="{01DEBE33-28BA-4E9E-AB1A-A675E6078FEF}" type="datetimeFigureOut">
               <a:rPr lang="en-US" smtClean="0"/>
-              <a:t>4/16/2019</a:t>
+              <a:t>5/5/2019</a:t>
             </a:fld>
             <a:endParaRPr lang="en-US"/>
           </a:p>
@@ -2973,7 +2988,7 @@
           <a:p>
             <a:fld id="{01DEBE33-28BA-4E9E-AB1A-A675E6078FEF}" type="datetimeFigureOut">
               <a:rPr lang="en-US" smtClean="0"/>
-              <a:t>4/16/2019</a:t>
+              <a:t>5/5/2019</a:t>
             </a:fld>
             <a:endParaRPr lang="en-US"/>
           </a:p>
@@ -7591,12 +7606,12 @@
           <a:lstStyle/>
           <a:p>
             <a:r>
-              <a:rPr lang="en-US" dirty="0" err="1"/>
-              <a:t>Aswer</a:t>
+              <a:rPr lang="en-US" dirty="0" smtClean="0"/>
+              <a:t>Answer </a:t>
             </a:r>
             <a:r>
               <a:rPr lang="en-US" dirty="0"/>
-              <a:t> = 133</a:t>
+              <a:t>= 133</a:t>
             </a:r>
           </a:p>
           <a:p>
@@ -8702,8 +8717,8 @@
           </a:p>
         </p:txBody>
       </p:sp>
-      <mc:AlternateContent xmlns:mc="http://schemas.openxmlformats.org/markup-compatibility/2006">
-        <mc:Choice xmlns:a14="http://schemas.microsoft.com/office/drawing/2010/main" Requires="a14">
+      <mc:AlternateContent xmlns:mc="http://schemas.openxmlformats.org/markup-compatibility/2006" xmlns:a14="http://schemas.microsoft.com/office/drawing/2010/main">
+        <mc:Choice Requires="a14">
           <p:sp>
             <p:nvSpPr>
               <p:cNvPr id="3" name="Content Placeholder 2">
@@ -8831,7 +8846,16 @@
                                     <a:rPr lang="en-US" b="0" i="0" dirty="0" smtClean="0">
                                       <a:latin typeface="Cambria Math" panose="02040503050406030204" pitchFamily="18" charset="0"/>
                                     </a:rPr>
-                                    <m:t>cos</m:t>
+                                    <m:t>c</m:t>
+                                  </m:r>
+                                  <m:r>
+                                    <m:rPr>
+                                      <m:sty m:val="p"/>
+                                    </m:rPr>
+                                    <a:rPr lang="en-US" b="0" i="0" dirty="0" smtClean="0">
+                                      <a:latin typeface="Cambria Math" panose="02040503050406030204" pitchFamily="18" charset="0"/>
+                                    </a:rPr>
+                                    <m:t>os</m:t>
                                   </m:r>
                                 </m:fName>
                                 <m:e>
@@ -8972,7 +8996,7 @@
             </p:txBody>
           </p:sp>
         </mc:Choice>
-        <mc:Fallback>
+        <mc:Fallback xmlns="">
           <p:sp>
             <p:nvSpPr>
               <p:cNvPr id="3" name="Content Placeholder 2">
@@ -9302,6 +9326,10 @@
               <a:rPr lang="en-US" dirty="0"/>
               <a:t>9 For each Next</a:t>
             </a:r>
+            <a:r>
+              <a:rPr lang="hy-AM" dirty="0"/>
+              <a:t/>
+            </a:r>
             <a:br>
               <a:rPr lang="hy-AM" dirty="0"/>
             </a:br>
@@ -9562,9 +9590,17 @@
               <a:rPr lang="hy-AM" sz="2200" dirty="0"/>
               <a:t>Հաշվել հետևյալ արտահայտությունների արժեքը. </a:t>
             </a:r>
+            <a:r>
+              <a:rPr lang="en-US" dirty="0"/>
+              <a:t/>
+            </a:r>
             <a:br>
               <a:rPr lang="en-US" dirty="0"/>
             </a:br>
+            <a:r>
+              <a:rPr lang="en-US" dirty="0"/>
+              <a:t/>
+            </a:r>
             <a:br>
               <a:rPr lang="en-US" dirty="0"/>
             </a:br>
@@ -9725,6 +9761,10 @@
               <a:rPr lang="hy-AM" sz="2700" dirty="0"/>
               <a:t>Ի՞նչ կարտածվի տրված ծրագրի աշխատանքի արդյունքում. </a:t>
             </a:r>
+            <a:r>
+              <a:rPr lang="en-US" dirty="0"/>
+              <a:t/>
+            </a:r>
             <a:br>
               <a:rPr lang="en-US" dirty="0"/>
             </a:br>
@@ -9774,6 +9814,1322 @@
   <p:clrMapOvr>
     <a:masterClrMapping/>
   </p:clrMapOvr>
+  <p:timing>
+    <p:tnLst>
+      <p:par>
+        <p:cTn id="1" dur="indefinite" restart="never" nodeType="tmRoot"/>
+      </p:par>
+    </p:tnLst>
+  </p:timing>
+</p:sld>
+</file>
+
+<file path=ppt/slides/slide54.xml><?xml version="1.0" encoding="utf-8"?>
+<p:sld xmlns:a="http://schemas.openxmlformats.org/drawingml/2006/main" xmlns:r="http://schemas.openxmlformats.org/officeDocument/2006/relationships" xmlns:p="http://schemas.openxmlformats.org/presentationml/2006/main">
+  <p:cSld>
+    <p:spTree>
+      <p:nvGrpSpPr>
+        <p:cNvPr id="1" name=""/>
+        <p:cNvGrpSpPr/>
+        <p:nvPr/>
+      </p:nvGrpSpPr>
+      <p:grpSpPr>
+        <a:xfrm>
+          <a:off x="0" y="0"/>
+          <a:ext cx="0" cy="0"/>
+          <a:chOff x="0" y="0"/>
+          <a:chExt cx="0" cy="0"/>
+        </a:xfrm>
+      </p:grpSpPr>
+      <p:sp>
+        <p:nvSpPr>
+          <p:cNvPr id="2" name="Title 1"/>
+          <p:cNvSpPr>
+            <a:spLocks noGrp="1"/>
+          </p:cNvSpPr>
+          <p:nvPr>
+            <p:ph type="title"/>
+          </p:nvPr>
+        </p:nvSpPr>
+        <p:spPr/>
+        <p:txBody>
+          <a:bodyPr/>
+          <a:lstStyle/>
+          <a:p>
+            <a:r>
+              <a:rPr lang="hy-AM" dirty="0" smtClean="0"/>
+              <a:t>Մի քանի հարցեր․․․</a:t>
+            </a:r>
+            <a:endParaRPr lang="en-US" dirty="0"/>
+          </a:p>
+        </p:txBody>
+      </p:sp>
+      <p:sp>
+        <p:nvSpPr>
+          <p:cNvPr id="3" name="Content Placeholder 2"/>
+          <p:cNvSpPr>
+            <a:spLocks noGrp="1"/>
+          </p:cNvSpPr>
+          <p:nvPr>
+            <p:ph idx="1"/>
+          </p:nvPr>
+        </p:nvSpPr>
+        <p:spPr>
+          <a:xfrm>
+            <a:off x="734290" y="1409988"/>
+            <a:ext cx="10539845" cy="4970029"/>
+          </a:xfrm>
+        </p:spPr>
+        <p:txBody>
+          <a:bodyPr>
+            <a:normAutofit fontScale="92500" lnSpcReduction="10000"/>
+          </a:bodyPr>
+          <a:lstStyle/>
+          <a:p>
+            <a:r>
+              <a:rPr lang="hy-AM" dirty="0" smtClean="0"/>
+              <a:t>Տարբերում է արդյո՞ք </a:t>
+            </a:r>
+            <a:r>
+              <a:rPr lang="en-US" dirty="0" smtClean="0"/>
+              <a:t>VBA</a:t>
+            </a:r>
+            <a:r>
+              <a:rPr lang="hy-AM" dirty="0" smtClean="0"/>
+              <a:t> լեզուն իդենտիֆիկատորների մեծատառերը և փոքրատառերը։ Օրինակ </a:t>
+            </a:r>
+            <a:r>
+              <a:rPr lang="en-US" dirty="0" err="1" smtClean="0"/>
+              <a:t>myFunction</a:t>
+            </a:r>
+            <a:r>
+              <a:rPr lang="en-US" dirty="0" smtClean="0"/>
+              <a:t>, </a:t>
+            </a:r>
+            <a:r>
+              <a:rPr lang="en-US" dirty="0" err="1" smtClean="0"/>
+              <a:t>MyFunction</a:t>
+            </a:r>
+            <a:r>
+              <a:rPr lang="en-US" dirty="0" smtClean="0"/>
+              <a:t>:</a:t>
+            </a:r>
+          </a:p>
+          <a:p>
+            <a:r>
+              <a:rPr lang="hy-AM" dirty="0" smtClean="0"/>
+              <a:t>Ինչի՞ համար է </a:t>
+            </a:r>
+            <a:r>
+              <a:rPr lang="en-US" dirty="0" smtClean="0"/>
+              <a:t>Rem </a:t>
+            </a:r>
+            <a:r>
+              <a:rPr lang="hy-AM" dirty="0" smtClean="0"/>
+              <a:t>պահեստավորված բառը։</a:t>
+            </a:r>
+          </a:p>
+          <a:p>
+            <a:r>
+              <a:rPr lang="hy-AM" dirty="0" smtClean="0"/>
+              <a:t>Որո՞նք են </a:t>
+            </a:r>
+            <a:r>
+              <a:rPr lang="en-US" dirty="0" smtClean="0"/>
+              <a:t>integer</a:t>
+            </a:r>
+            <a:r>
+              <a:rPr lang="hy-AM" dirty="0" smtClean="0"/>
+              <a:t> տիպի փոփոխականները։</a:t>
+            </a:r>
+          </a:p>
+          <a:p>
+            <a:r>
+              <a:rPr lang="hy-AM" dirty="0" smtClean="0"/>
+              <a:t>Ինչի՞ համար են </a:t>
+            </a:r>
+            <a:r>
+              <a:rPr lang="en-US" dirty="0" smtClean="0"/>
+              <a:t>Sub </a:t>
+            </a:r>
+            <a:r>
+              <a:rPr lang="hy-AM" dirty="0" smtClean="0"/>
+              <a:t>պահեստավորված բառը, </a:t>
+            </a:r>
+            <a:r>
+              <a:rPr lang="en-US" dirty="0" smtClean="0"/>
+              <a:t>Dim </a:t>
+            </a:r>
+            <a:r>
+              <a:rPr lang="hy-AM" dirty="0" smtClean="0"/>
+              <a:t>օպերատորը, </a:t>
+            </a:r>
+            <a:r>
+              <a:rPr lang="en-US" dirty="0" err="1" smtClean="0"/>
+              <a:t>InputBox</a:t>
+            </a:r>
+            <a:r>
+              <a:rPr lang="hy-AM" dirty="0" smtClean="0"/>
+              <a:t> ֆունկցիան, </a:t>
+            </a:r>
+            <a:r>
+              <a:rPr lang="en-US" dirty="0" err="1" smtClean="0"/>
+              <a:t>MsgBox</a:t>
+            </a:r>
+            <a:r>
+              <a:rPr lang="hy-AM" dirty="0" smtClean="0"/>
+              <a:t>, </a:t>
+            </a:r>
+            <a:r>
+              <a:rPr lang="en-US" dirty="0" smtClean="0"/>
+              <a:t>End Sub </a:t>
+            </a:r>
+            <a:r>
+              <a:rPr lang="hy-AM" dirty="0" smtClean="0"/>
+              <a:t>պրոցեդուրաները, </a:t>
+            </a:r>
+            <a:r>
+              <a:rPr lang="en-US" dirty="0" err="1" smtClean="0"/>
+              <a:t>Debug.Print</a:t>
+            </a:r>
+            <a:r>
+              <a:rPr lang="hy-AM" dirty="0" smtClean="0"/>
+              <a:t>։</a:t>
+            </a:r>
+            <a:endParaRPr lang="en-US" dirty="0" smtClean="0"/>
+          </a:p>
+          <a:p>
+            <a:r>
+              <a:rPr lang="hy-AM" dirty="0" smtClean="0"/>
+              <a:t>Ինչի համար է </a:t>
+            </a:r>
+            <a:r>
+              <a:rPr lang="en-US" dirty="0" smtClean="0"/>
+              <a:t>_</a:t>
+            </a:r>
+            <a:r>
+              <a:rPr lang="hy-AM" dirty="0" smtClean="0"/>
+              <a:t>, ։ սիմվոլը։</a:t>
+            </a:r>
+          </a:p>
+          <a:p>
+            <a:r>
+              <a:rPr lang="en-US" dirty="0" smtClean="0"/>
+              <a:t>Public Sub vs Private Sub</a:t>
+            </a:r>
+          </a:p>
+          <a:p>
+            <a:r>
+              <a:rPr lang="hy-AM" dirty="0" smtClean="0"/>
+              <a:t>Կարո՞ղ է փոփոխականը ծրագրում կիրառվել, հետո միայն նկարագրվել</a:t>
+            </a:r>
+          </a:p>
+          <a:p>
+            <a:r>
+              <a:rPr lang="en-US" dirty="0" smtClean="0"/>
+              <a:t>Dim a, b As Integer: </a:t>
+            </a:r>
+            <a:r>
+              <a:rPr lang="hy-AM" dirty="0" smtClean="0"/>
+              <a:t>Ինչ տիպի փոփոխական է </a:t>
+            </a:r>
+            <a:r>
+              <a:rPr lang="en-US" dirty="0" smtClean="0"/>
+              <a:t>a</a:t>
+            </a:r>
+            <a:r>
+              <a:rPr lang="hy-AM" dirty="0" smtClean="0"/>
+              <a:t>-ն։</a:t>
+            </a:r>
+          </a:p>
+          <a:p>
+            <a:endParaRPr lang="hy-AM" dirty="0" smtClean="0"/>
+          </a:p>
+          <a:p>
+            <a:endParaRPr lang="hy-AM" dirty="0" smtClean="0"/>
+          </a:p>
+          <a:p>
+            <a:endParaRPr lang="hy-AM" dirty="0" smtClean="0"/>
+          </a:p>
+          <a:p>
+            <a:endParaRPr lang="en-US" dirty="0" smtClean="0"/>
+          </a:p>
+          <a:p>
+            <a:endParaRPr lang="en-US" dirty="0"/>
+          </a:p>
+        </p:txBody>
+      </p:sp>
+    </p:spTree>
+    <p:extLst>
+      <p:ext uri="{BB962C8B-B14F-4D97-AF65-F5344CB8AC3E}">
+        <p14:creationId xmlns:p14="http://schemas.microsoft.com/office/powerpoint/2010/main" val="1120741732"/>
+      </p:ext>
+    </p:extLst>
+  </p:cSld>
+  <p:clrMapOvr>
+    <a:masterClrMapping/>
+  </p:clrMapOvr>
+  <p:timing>
+    <p:tnLst>
+      <p:par>
+        <p:cTn id="1" dur="indefinite" restart="never" nodeType="tmRoot"/>
+      </p:par>
+    </p:tnLst>
+  </p:timing>
+</p:sld>
+</file>
+
+<file path=ppt/slides/slide55.xml><?xml version="1.0" encoding="utf-8"?>
+<p:sld xmlns:a="http://schemas.openxmlformats.org/drawingml/2006/main" xmlns:r="http://schemas.openxmlformats.org/officeDocument/2006/relationships" xmlns:p="http://schemas.openxmlformats.org/presentationml/2006/main">
+  <p:cSld>
+    <p:spTree>
+      <p:nvGrpSpPr>
+        <p:cNvPr id="1" name=""/>
+        <p:cNvGrpSpPr/>
+        <p:nvPr/>
+      </p:nvGrpSpPr>
+      <p:grpSpPr>
+        <a:xfrm>
+          <a:off x="0" y="0"/>
+          <a:ext cx="0" cy="0"/>
+          <a:chOff x="0" y="0"/>
+          <a:chExt cx="0" cy="0"/>
+        </a:xfrm>
+      </p:grpSpPr>
+      <p:sp>
+        <p:nvSpPr>
+          <p:cNvPr id="2" name="Title 1"/>
+          <p:cNvSpPr>
+            <a:spLocks noGrp="1"/>
+          </p:cNvSpPr>
+          <p:nvPr>
+            <p:ph type="title"/>
+          </p:nvPr>
+        </p:nvSpPr>
+        <p:spPr>
+          <a:xfrm>
+            <a:off x="746412" y="84425"/>
+            <a:ext cx="10515600" cy="1325563"/>
+          </a:xfrm>
+        </p:spPr>
+        <p:txBody>
+          <a:bodyPr>
+            <a:normAutofit/>
+          </a:bodyPr>
+          <a:lstStyle/>
+          <a:p>
+            <a:r>
+              <a:rPr lang="hy-AM" sz="2400" dirty="0" smtClean="0"/>
+              <a:t>Մի քանի հարցեր/պատասխաններ/․․․</a:t>
+            </a:r>
+            <a:endParaRPr lang="en-US" sz="2400" dirty="0"/>
+          </a:p>
+        </p:txBody>
+      </p:sp>
+      <p:sp>
+        <p:nvSpPr>
+          <p:cNvPr id="3" name="Content Placeholder 2"/>
+          <p:cNvSpPr>
+            <a:spLocks noGrp="1"/>
+          </p:cNvSpPr>
+          <p:nvPr>
+            <p:ph idx="1"/>
+          </p:nvPr>
+        </p:nvSpPr>
+        <p:spPr>
+          <a:xfrm>
+            <a:off x="342900" y="924792"/>
+            <a:ext cx="10931235" cy="5455226"/>
+          </a:xfrm>
+        </p:spPr>
+        <p:txBody>
+          <a:bodyPr>
+            <a:normAutofit fontScale="92500" lnSpcReduction="10000"/>
+          </a:bodyPr>
+          <a:lstStyle/>
+          <a:p>
+            <a:r>
+              <a:rPr lang="hy-AM" dirty="0" smtClean="0"/>
+              <a:t>Տարբերում է արդյո՞ք </a:t>
+            </a:r>
+            <a:r>
+              <a:rPr lang="en-US" dirty="0" smtClean="0"/>
+              <a:t>VBA</a:t>
+            </a:r>
+            <a:r>
+              <a:rPr lang="hy-AM" dirty="0" smtClean="0"/>
+              <a:t> լեզուն իդենտիֆիկատորների մեծատառերը և փոքրատառերը։ Օրինակ </a:t>
+            </a:r>
+            <a:r>
+              <a:rPr lang="en-US" dirty="0" err="1" smtClean="0"/>
+              <a:t>myFunction</a:t>
+            </a:r>
+            <a:r>
+              <a:rPr lang="en-US" dirty="0" smtClean="0"/>
+              <a:t>, </a:t>
+            </a:r>
+            <a:r>
+              <a:rPr lang="en-US" dirty="0" err="1" smtClean="0"/>
+              <a:t>MyFunction</a:t>
+            </a:r>
+            <a:r>
+              <a:rPr lang="en-US" dirty="0" smtClean="0"/>
+              <a:t>:</a:t>
+            </a:r>
+            <a:r>
+              <a:rPr lang="hy-AM" dirty="0" smtClean="0"/>
+              <a:t> /ոչ/</a:t>
+            </a:r>
+            <a:endParaRPr lang="en-US" dirty="0" smtClean="0"/>
+          </a:p>
+          <a:p>
+            <a:r>
+              <a:rPr lang="hy-AM" dirty="0" smtClean="0"/>
+              <a:t>Ինչի՞ համար է </a:t>
+            </a:r>
+            <a:r>
+              <a:rPr lang="en-US" dirty="0" smtClean="0"/>
+              <a:t>Rem </a:t>
+            </a:r>
+            <a:r>
+              <a:rPr lang="hy-AM" dirty="0" smtClean="0"/>
+              <a:t>պահեստավորված բառը։ /մեկնաբանության/</a:t>
+            </a:r>
+          </a:p>
+          <a:p>
+            <a:r>
+              <a:rPr lang="hy-AM" dirty="0" smtClean="0"/>
+              <a:t>Որո՞նք են </a:t>
+            </a:r>
+            <a:r>
+              <a:rPr lang="en-US" dirty="0" smtClean="0"/>
+              <a:t>integer</a:t>
+            </a:r>
+            <a:r>
+              <a:rPr lang="hy-AM" dirty="0" smtClean="0"/>
+              <a:t> տիպի փոփոխականները։ /ամբողջաթիվ/</a:t>
+            </a:r>
+          </a:p>
+          <a:p>
+            <a:r>
+              <a:rPr lang="hy-AM" dirty="0" smtClean="0"/>
+              <a:t>Ինչի՞ համար են </a:t>
+            </a:r>
+            <a:r>
+              <a:rPr lang="en-US" dirty="0" smtClean="0"/>
+              <a:t>Sub </a:t>
+            </a:r>
+            <a:r>
+              <a:rPr lang="hy-AM" dirty="0" smtClean="0"/>
+              <a:t>պահեստավորված բառը, </a:t>
+            </a:r>
+            <a:r>
+              <a:rPr lang="en-US" dirty="0" smtClean="0"/>
+              <a:t>Dim </a:t>
+            </a:r>
+            <a:r>
+              <a:rPr lang="hy-AM" dirty="0" smtClean="0"/>
+              <a:t>օպերատորը, </a:t>
+            </a:r>
+            <a:r>
+              <a:rPr lang="en-US" dirty="0" err="1" smtClean="0"/>
+              <a:t>InputBox</a:t>
+            </a:r>
+            <a:r>
+              <a:rPr lang="hy-AM" dirty="0" smtClean="0"/>
+              <a:t> ֆունկցիան, </a:t>
+            </a:r>
+            <a:r>
+              <a:rPr lang="en-US" dirty="0" err="1" smtClean="0"/>
+              <a:t>MsgBox</a:t>
+            </a:r>
+            <a:r>
+              <a:rPr lang="hy-AM" dirty="0" smtClean="0"/>
+              <a:t>, </a:t>
+            </a:r>
+            <a:r>
+              <a:rPr lang="en-US" dirty="0" smtClean="0"/>
+              <a:t>End Sub </a:t>
+            </a:r>
+            <a:r>
+              <a:rPr lang="hy-AM" dirty="0" smtClean="0"/>
+              <a:t>պրոցեդուրաները, </a:t>
+            </a:r>
+            <a:r>
+              <a:rPr lang="en-US" dirty="0" err="1" smtClean="0"/>
+              <a:t>Debug.Print</a:t>
+            </a:r>
+            <a:r>
+              <a:rPr lang="hy-AM" dirty="0" smtClean="0"/>
+              <a:t>։ /փոփոխականի հայտարարում, ներմուծում, տպում, տպում </a:t>
+            </a:r>
+            <a:r>
+              <a:rPr lang="en-US" dirty="0" err="1" smtClean="0"/>
+              <a:t>Intermidiate</a:t>
+            </a:r>
+            <a:r>
+              <a:rPr lang="hy-AM" dirty="0" smtClean="0"/>
+              <a:t> պատուհանում/</a:t>
+            </a:r>
+            <a:endParaRPr lang="en-US" dirty="0" smtClean="0"/>
+          </a:p>
+          <a:p>
+            <a:r>
+              <a:rPr lang="hy-AM" dirty="0" smtClean="0"/>
+              <a:t>Ինչի համար է </a:t>
+            </a:r>
+            <a:r>
+              <a:rPr lang="en-US" dirty="0" smtClean="0"/>
+              <a:t>_</a:t>
+            </a:r>
+            <a:r>
+              <a:rPr lang="hy-AM" dirty="0" smtClean="0"/>
+              <a:t> սիմվոլը։ /տողադարձի/</a:t>
+            </a:r>
+          </a:p>
+          <a:p>
+            <a:r>
+              <a:rPr lang="en-US" dirty="0" smtClean="0"/>
+              <a:t>Public Sub vs Private Sub</a:t>
+            </a:r>
+            <a:r>
+              <a:rPr lang="hy-AM" dirty="0" smtClean="0"/>
+              <a:t> /կանչվում են ցանկացած մոդուլի ցանկացած պրոցեդուրայից/</a:t>
+            </a:r>
+            <a:endParaRPr lang="en-US" dirty="0" smtClean="0"/>
+          </a:p>
+          <a:p>
+            <a:r>
+              <a:rPr lang="hy-AM" dirty="0" smtClean="0"/>
+              <a:t>Կարո՞ղ է փոփոխականը ծրագրում կիրառվել, հետո միայն նկարագրվել։ </a:t>
+            </a:r>
+            <a:r>
+              <a:rPr lang="en-US" dirty="0" smtClean="0"/>
+              <a:t>/</a:t>
+            </a:r>
+            <a:r>
+              <a:rPr lang="hy-AM" dirty="0" smtClean="0"/>
+              <a:t>ոչ/</a:t>
+            </a:r>
+          </a:p>
+          <a:p>
+            <a:r>
+              <a:rPr lang="en-US" dirty="0" smtClean="0"/>
+              <a:t>Dim a, b As Integer: </a:t>
+            </a:r>
+            <a:r>
+              <a:rPr lang="hy-AM" dirty="0" smtClean="0"/>
+              <a:t>Ինչ տիպի փոփոխական է </a:t>
+            </a:r>
+            <a:r>
+              <a:rPr lang="en-US" dirty="0" smtClean="0"/>
+              <a:t>a</a:t>
+            </a:r>
+            <a:r>
+              <a:rPr lang="hy-AM" dirty="0" smtClean="0"/>
+              <a:t>-ն։ /</a:t>
+            </a:r>
+            <a:r>
+              <a:rPr lang="en-US" dirty="0" smtClean="0"/>
+              <a:t>variant/</a:t>
+            </a:r>
+            <a:endParaRPr lang="hy-AM" dirty="0" smtClean="0"/>
+          </a:p>
+          <a:p>
+            <a:endParaRPr lang="hy-AM" dirty="0" smtClean="0"/>
+          </a:p>
+          <a:p>
+            <a:endParaRPr lang="hy-AM" dirty="0" smtClean="0"/>
+          </a:p>
+          <a:p>
+            <a:endParaRPr lang="hy-AM" dirty="0" smtClean="0"/>
+          </a:p>
+          <a:p>
+            <a:endParaRPr lang="en-US" dirty="0" smtClean="0"/>
+          </a:p>
+          <a:p>
+            <a:endParaRPr lang="en-US" dirty="0"/>
+          </a:p>
+        </p:txBody>
+      </p:sp>
+    </p:spTree>
+    <p:extLst>
+      <p:ext uri="{BB962C8B-B14F-4D97-AF65-F5344CB8AC3E}">
+        <p14:creationId xmlns:p14="http://schemas.microsoft.com/office/powerpoint/2010/main" val="495485996"/>
+      </p:ext>
+    </p:extLst>
+  </p:cSld>
+  <p:clrMapOvr>
+    <a:masterClrMapping/>
+  </p:clrMapOvr>
+  <p:timing>
+    <p:tnLst>
+      <p:par>
+        <p:cTn id="1" dur="indefinite" restart="never" nodeType="tmRoot"/>
+      </p:par>
+    </p:tnLst>
+  </p:timing>
+</p:sld>
+</file>
+
+<file path=ppt/slides/slide56.xml><?xml version="1.0" encoding="utf-8"?>
+<p:sld xmlns:a="http://schemas.openxmlformats.org/drawingml/2006/main" xmlns:r="http://schemas.openxmlformats.org/officeDocument/2006/relationships" xmlns:p="http://schemas.openxmlformats.org/presentationml/2006/main">
+  <p:cSld>
+    <p:spTree>
+      <p:nvGrpSpPr>
+        <p:cNvPr id="1" name=""/>
+        <p:cNvGrpSpPr/>
+        <p:nvPr/>
+      </p:nvGrpSpPr>
+      <p:grpSpPr>
+        <a:xfrm>
+          <a:off x="0" y="0"/>
+          <a:ext cx="0" cy="0"/>
+          <a:chOff x="0" y="0"/>
+          <a:chExt cx="0" cy="0"/>
+        </a:xfrm>
+      </p:grpSpPr>
+      <p:sp>
+        <p:nvSpPr>
+          <p:cNvPr id="2" name="Title 1"/>
+          <p:cNvSpPr>
+            <a:spLocks noGrp="1"/>
+          </p:cNvSpPr>
+          <p:nvPr>
+            <p:ph type="title"/>
+          </p:nvPr>
+        </p:nvSpPr>
+        <p:spPr>
+          <a:xfrm>
+            <a:off x="280555" y="0"/>
+            <a:ext cx="10515600" cy="1325563"/>
+          </a:xfrm>
+        </p:spPr>
+        <p:txBody>
+          <a:bodyPr>
+            <a:normAutofit/>
+          </a:bodyPr>
+          <a:lstStyle/>
+          <a:p>
+            <a:r>
+              <a:rPr lang="hy-AM" sz="3200" dirty="0" smtClean="0"/>
+              <a:t>Մի քանի հարցեր․․․</a:t>
+            </a:r>
+            <a:endParaRPr lang="en-US" sz="3200" dirty="0"/>
+          </a:p>
+        </p:txBody>
+      </p:sp>
+      <p:sp>
+        <p:nvSpPr>
+          <p:cNvPr id="3" name="Content Placeholder 2"/>
+          <p:cNvSpPr>
+            <a:spLocks noGrp="1"/>
+          </p:cNvSpPr>
+          <p:nvPr>
+            <p:ph idx="1"/>
+          </p:nvPr>
+        </p:nvSpPr>
+        <p:spPr>
+          <a:xfrm>
+            <a:off x="568035" y="1212561"/>
+            <a:ext cx="10539845" cy="4970029"/>
+          </a:xfrm>
+        </p:spPr>
+        <p:txBody>
+          <a:bodyPr>
+            <a:normAutofit/>
+          </a:bodyPr>
+          <a:lstStyle/>
+          <a:p>
+            <a:r>
+              <a:rPr lang="hy-AM" dirty="0" smtClean="0"/>
+              <a:t>Ի՞նչ նպատակ ունի </a:t>
+            </a:r>
+            <a:r>
+              <a:rPr lang="en-US" dirty="0" smtClean="0"/>
+              <a:t>Option Explicit </a:t>
+            </a:r>
+            <a:r>
+              <a:rPr lang="hy-AM" dirty="0" smtClean="0"/>
+              <a:t>հրահանգը։</a:t>
+            </a:r>
+          </a:p>
+          <a:p>
+            <a:r>
+              <a:rPr lang="hy-AM" dirty="0"/>
+              <a:t>Ի՞նչ նպատակ ունի </a:t>
+            </a:r>
+            <a:r>
+              <a:rPr lang="en-US" dirty="0" smtClean="0"/>
+              <a:t>Option Base 1 </a:t>
+            </a:r>
+            <a:r>
+              <a:rPr lang="hy-AM" dirty="0" smtClean="0"/>
+              <a:t>հրահանգը</a:t>
+            </a:r>
+          </a:p>
+          <a:p>
+            <a:r>
+              <a:rPr lang="hy-AM" dirty="0" smtClean="0"/>
+              <a:t>Որոնք են ցիկլի օպերատորները և անցման-ընտրության օպերատորները։</a:t>
+            </a:r>
+            <a:endParaRPr lang="en-US" dirty="0" smtClean="0"/>
+          </a:p>
+          <a:p>
+            <a:r>
+              <a:rPr lang="hy-AM" dirty="0" smtClean="0"/>
+              <a:t>Մաթեմատիկական ֆունկցիաներ՝</a:t>
+            </a:r>
+            <a:r>
+              <a:rPr lang="en-US" dirty="0" smtClean="0"/>
+              <a:t> Abs(), </a:t>
+            </a:r>
+            <a:r>
+              <a:rPr lang="en-US" dirty="0" err="1" smtClean="0"/>
+              <a:t>Atn</a:t>
+            </a:r>
+            <a:r>
+              <a:rPr lang="en-US" dirty="0" smtClean="0"/>
+              <a:t>(), Cos(), Sin(), </a:t>
+            </a:r>
+            <a:r>
+              <a:rPr lang="en-US" dirty="0" err="1" smtClean="0"/>
+              <a:t>Exp</a:t>
+            </a:r>
+            <a:r>
+              <a:rPr lang="en-US" dirty="0" smtClean="0"/>
+              <a:t>(), Log(), </a:t>
+            </a:r>
+            <a:r>
+              <a:rPr lang="en-US" dirty="0" err="1" smtClean="0"/>
+              <a:t>Rnd</a:t>
+            </a:r>
+            <a:r>
+              <a:rPr lang="en-US" dirty="0" smtClean="0"/>
+              <a:t>(), </a:t>
+            </a:r>
+            <a:r>
+              <a:rPr lang="en-US" dirty="0" err="1" smtClean="0"/>
+              <a:t>Sgn</a:t>
+            </a:r>
+            <a:r>
+              <a:rPr lang="en-US" dirty="0" smtClean="0"/>
+              <a:t>(), </a:t>
+            </a:r>
+            <a:r>
+              <a:rPr lang="en-US" dirty="0" err="1" smtClean="0"/>
+              <a:t>Sqr</a:t>
+            </a:r>
+            <a:r>
+              <a:rPr lang="en-US" dirty="0" smtClean="0"/>
+              <a:t>(), Tan()</a:t>
+            </a:r>
+          </a:p>
+          <a:p>
+            <a:r>
+              <a:rPr lang="hy-AM" dirty="0" smtClean="0"/>
+              <a:t>Փոփոխականի տիպի ստուգման ֆունկցիաներ</a:t>
+            </a:r>
+            <a:r>
+              <a:rPr lang="ru-RU" dirty="0" smtClean="0"/>
+              <a:t> </a:t>
+            </a:r>
+            <a:r>
+              <a:rPr lang="en-US" dirty="0" smtClean="0"/>
+              <a:t> </a:t>
+            </a:r>
+            <a:r>
+              <a:rPr lang="en-US" dirty="0" err="1" smtClean="0"/>
+              <a:t>IsArray</a:t>
+            </a:r>
+            <a:r>
+              <a:rPr lang="en-US" dirty="0" smtClean="0"/>
+              <a:t>, </a:t>
+            </a:r>
+            <a:r>
+              <a:rPr lang="en-US" dirty="0" err="1" smtClean="0"/>
+              <a:t>IsError</a:t>
+            </a:r>
+            <a:r>
+              <a:rPr lang="en-US" dirty="0" smtClean="0"/>
+              <a:t>(), </a:t>
+            </a:r>
+            <a:r>
+              <a:rPr lang="en-US" dirty="0" err="1" smtClean="0"/>
+              <a:t>IsNumeric</a:t>
+            </a:r>
+            <a:r>
+              <a:rPr lang="en-US" dirty="0" smtClean="0"/>
+              <a:t>(), </a:t>
+            </a:r>
+            <a:r>
+              <a:rPr lang="en-US" dirty="0" err="1" smtClean="0"/>
+              <a:t>IsEmplty</a:t>
+            </a:r>
+            <a:r>
+              <a:rPr lang="en-US" dirty="0" smtClean="0"/>
+              <a:t>()</a:t>
+            </a:r>
+            <a:endParaRPr lang="hy-AM" dirty="0" smtClean="0"/>
+          </a:p>
+          <a:p>
+            <a:endParaRPr lang="hy-AM" dirty="0" smtClean="0"/>
+          </a:p>
+          <a:p>
+            <a:endParaRPr lang="en-US" dirty="0" smtClean="0"/>
+          </a:p>
+          <a:p>
+            <a:endParaRPr lang="en-US" dirty="0"/>
+          </a:p>
+        </p:txBody>
+      </p:sp>
+    </p:spTree>
+    <p:extLst>
+      <p:ext uri="{BB962C8B-B14F-4D97-AF65-F5344CB8AC3E}">
+        <p14:creationId xmlns:p14="http://schemas.microsoft.com/office/powerpoint/2010/main" val="76141193"/>
+      </p:ext>
+    </p:extLst>
+  </p:cSld>
+  <p:clrMapOvr>
+    <a:masterClrMapping/>
+  </p:clrMapOvr>
+  <p:timing>
+    <p:tnLst>
+      <p:par>
+        <p:cTn id="1" dur="indefinite" restart="never" nodeType="tmRoot"/>
+      </p:par>
+    </p:tnLst>
+  </p:timing>
+</p:sld>
+</file>
+
+<file path=ppt/slides/slide57.xml><?xml version="1.0" encoding="utf-8"?>
+<p:sld xmlns:a="http://schemas.openxmlformats.org/drawingml/2006/main" xmlns:r="http://schemas.openxmlformats.org/officeDocument/2006/relationships" xmlns:p="http://schemas.openxmlformats.org/presentationml/2006/main">
+  <p:cSld>
+    <p:spTree>
+      <p:nvGrpSpPr>
+        <p:cNvPr id="1" name=""/>
+        <p:cNvGrpSpPr/>
+        <p:nvPr/>
+      </p:nvGrpSpPr>
+      <p:grpSpPr>
+        <a:xfrm>
+          <a:off x="0" y="0"/>
+          <a:ext cx="0" cy="0"/>
+          <a:chOff x="0" y="0"/>
+          <a:chExt cx="0" cy="0"/>
+        </a:xfrm>
+      </p:grpSpPr>
+      <p:sp>
+        <p:nvSpPr>
+          <p:cNvPr id="2" name="Title 1"/>
+          <p:cNvSpPr>
+            <a:spLocks noGrp="1"/>
+          </p:cNvSpPr>
+          <p:nvPr>
+            <p:ph type="title"/>
+          </p:nvPr>
+        </p:nvSpPr>
+        <p:spPr>
+          <a:xfrm>
+            <a:off x="280555" y="0"/>
+            <a:ext cx="10515600" cy="1325563"/>
+          </a:xfrm>
+        </p:spPr>
+        <p:txBody>
+          <a:bodyPr>
+            <a:normAutofit/>
+          </a:bodyPr>
+          <a:lstStyle/>
+          <a:p>
+            <a:r>
+              <a:rPr lang="hy-AM" sz="3200" dirty="0" smtClean="0"/>
+              <a:t>Մի քանի հարցեր․․․</a:t>
+            </a:r>
+            <a:endParaRPr lang="en-US" sz="3200" dirty="0"/>
+          </a:p>
+        </p:txBody>
+      </p:sp>
+      <p:sp>
+        <p:nvSpPr>
+          <p:cNvPr id="3" name="Content Placeholder 2"/>
+          <p:cNvSpPr>
+            <a:spLocks noGrp="1"/>
+          </p:cNvSpPr>
+          <p:nvPr>
+            <p:ph idx="1"/>
+          </p:nvPr>
+        </p:nvSpPr>
+        <p:spPr>
+          <a:xfrm>
+            <a:off x="568035" y="1212561"/>
+            <a:ext cx="10539845" cy="4970029"/>
+          </a:xfrm>
+        </p:spPr>
+        <p:txBody>
+          <a:bodyPr>
+            <a:normAutofit/>
+          </a:bodyPr>
+          <a:lstStyle/>
+          <a:p>
+            <a:r>
+              <a:rPr lang="hy-AM" dirty="0" smtClean="0"/>
+              <a:t>Ի՞նչ նպատակ ունի </a:t>
+            </a:r>
+            <a:r>
+              <a:rPr lang="en-US" dirty="0" smtClean="0"/>
+              <a:t>Option Explicit </a:t>
+            </a:r>
+            <a:r>
+              <a:rPr lang="hy-AM" dirty="0" smtClean="0"/>
+              <a:t>հրահանգը։ /պահանջում է փոփոխականների պարտադիր նկարագում/</a:t>
+            </a:r>
+          </a:p>
+          <a:p>
+            <a:r>
+              <a:rPr lang="hy-AM" dirty="0"/>
+              <a:t>Ի՞նչ նպատակ ունի </a:t>
+            </a:r>
+            <a:r>
+              <a:rPr lang="en-US" dirty="0" smtClean="0"/>
+              <a:t>Option Base 1 </a:t>
+            </a:r>
+            <a:r>
+              <a:rPr lang="hy-AM" dirty="0" smtClean="0"/>
+              <a:t>հրահանգը։/ փոխում է զանգվածի բազային կարգահամարը/</a:t>
+            </a:r>
+          </a:p>
+          <a:p>
+            <a:r>
+              <a:rPr lang="hy-AM" dirty="0" smtClean="0"/>
+              <a:t>Որոնք են ցիկլի օպերատորները/</a:t>
+            </a:r>
+            <a:r>
+              <a:rPr lang="en-US" dirty="0" smtClean="0"/>
+              <a:t>for-next, for each-next, do-loop, while-wend</a:t>
+            </a:r>
+            <a:r>
+              <a:rPr lang="hy-AM" dirty="0" smtClean="0"/>
+              <a:t> և անցման-ընտրության օպերատորները</a:t>
+            </a:r>
+            <a:r>
+              <a:rPr lang="en-US" dirty="0" smtClean="0"/>
+              <a:t>/do-to, if-the-else, select case/</a:t>
+            </a:r>
+            <a:r>
+              <a:rPr lang="hy-AM" dirty="0" smtClean="0"/>
+              <a:t>։</a:t>
+            </a:r>
+            <a:endParaRPr lang="en-US" dirty="0" smtClean="0"/>
+          </a:p>
+          <a:p>
+            <a:r>
+              <a:rPr lang="hy-AM" dirty="0" smtClean="0"/>
+              <a:t>Մաթեմատիկական ֆունկցիաներ՝</a:t>
+            </a:r>
+            <a:r>
+              <a:rPr lang="en-US" dirty="0" smtClean="0"/>
+              <a:t> Abs(), </a:t>
+            </a:r>
+            <a:r>
+              <a:rPr lang="en-US" dirty="0" err="1" smtClean="0"/>
+              <a:t>Atn</a:t>
+            </a:r>
+            <a:r>
+              <a:rPr lang="en-US" dirty="0" smtClean="0"/>
+              <a:t>(), Cos(), Sin(), </a:t>
+            </a:r>
+            <a:r>
+              <a:rPr lang="en-US" dirty="0" err="1" smtClean="0"/>
+              <a:t>Exp</a:t>
+            </a:r>
+            <a:r>
+              <a:rPr lang="en-US" dirty="0" smtClean="0"/>
+              <a:t>(), Log(), </a:t>
+            </a:r>
+            <a:r>
+              <a:rPr lang="en-US" dirty="0" err="1" smtClean="0"/>
+              <a:t>Rnd</a:t>
+            </a:r>
+            <a:r>
+              <a:rPr lang="en-US" dirty="0" smtClean="0"/>
+              <a:t>(), </a:t>
+            </a:r>
+            <a:r>
+              <a:rPr lang="en-US" dirty="0" err="1" smtClean="0"/>
+              <a:t>Sgn</a:t>
+            </a:r>
+            <a:r>
+              <a:rPr lang="en-US" dirty="0" smtClean="0"/>
+              <a:t>(), </a:t>
+            </a:r>
+            <a:r>
+              <a:rPr lang="en-US" dirty="0" err="1" smtClean="0"/>
+              <a:t>Sqr</a:t>
+            </a:r>
+            <a:r>
+              <a:rPr lang="en-US" dirty="0" smtClean="0"/>
+              <a:t>(), Tan()</a:t>
+            </a:r>
+          </a:p>
+          <a:p>
+            <a:r>
+              <a:rPr lang="hy-AM" dirty="0" smtClean="0"/>
+              <a:t>Փոփոխականի տիպի ստուգման ֆունկցիաներ</a:t>
+            </a:r>
+            <a:r>
+              <a:rPr lang="ru-RU" dirty="0" smtClean="0"/>
+              <a:t> </a:t>
+            </a:r>
+            <a:r>
+              <a:rPr lang="en-US" dirty="0" smtClean="0"/>
+              <a:t> </a:t>
+            </a:r>
+            <a:r>
+              <a:rPr lang="en-US" dirty="0" err="1" smtClean="0"/>
+              <a:t>IsArray</a:t>
+            </a:r>
+            <a:r>
+              <a:rPr lang="en-US" dirty="0" smtClean="0"/>
+              <a:t>, </a:t>
+            </a:r>
+            <a:r>
+              <a:rPr lang="en-US" dirty="0" err="1" smtClean="0"/>
+              <a:t>IsError</a:t>
+            </a:r>
+            <a:r>
+              <a:rPr lang="en-US" dirty="0" smtClean="0"/>
+              <a:t>(), </a:t>
+            </a:r>
+            <a:r>
+              <a:rPr lang="en-US" dirty="0" err="1" smtClean="0"/>
+              <a:t>IsNumeric</a:t>
+            </a:r>
+            <a:r>
+              <a:rPr lang="en-US" dirty="0" smtClean="0"/>
+              <a:t>(), </a:t>
+            </a:r>
+            <a:r>
+              <a:rPr lang="en-US" dirty="0" err="1" smtClean="0"/>
+              <a:t>IsEmplty</a:t>
+            </a:r>
+            <a:r>
+              <a:rPr lang="en-US" dirty="0" smtClean="0"/>
+              <a:t>() / true-false/</a:t>
+            </a:r>
+            <a:endParaRPr lang="hy-AM" dirty="0" smtClean="0"/>
+          </a:p>
+          <a:p>
+            <a:endParaRPr lang="hy-AM" dirty="0" smtClean="0"/>
+          </a:p>
+          <a:p>
+            <a:endParaRPr lang="hy-AM" dirty="0" smtClean="0"/>
+          </a:p>
+          <a:p>
+            <a:endParaRPr lang="en-US" dirty="0" smtClean="0"/>
+          </a:p>
+          <a:p>
+            <a:endParaRPr lang="en-US" dirty="0"/>
+          </a:p>
+        </p:txBody>
+      </p:sp>
+    </p:spTree>
+    <p:extLst>
+      <p:ext uri="{BB962C8B-B14F-4D97-AF65-F5344CB8AC3E}">
+        <p14:creationId xmlns:p14="http://schemas.microsoft.com/office/powerpoint/2010/main" val="934942594"/>
+      </p:ext>
+    </p:extLst>
+  </p:cSld>
+  <p:clrMapOvr>
+    <a:masterClrMapping/>
+  </p:clrMapOvr>
+  <p:timing>
+    <p:tnLst>
+      <p:par>
+        <p:cTn id="1" dur="indefinite" restart="never" nodeType="tmRoot"/>
+      </p:par>
+    </p:tnLst>
+  </p:timing>
+</p:sld>
+</file>
+
+<file path=ppt/slides/slide58.xml><?xml version="1.0" encoding="utf-8"?>
+<p:sld xmlns:a="http://schemas.openxmlformats.org/drawingml/2006/main" xmlns:r="http://schemas.openxmlformats.org/officeDocument/2006/relationships" xmlns:p="http://schemas.openxmlformats.org/presentationml/2006/main">
+  <p:cSld>
+    <p:spTree>
+      <p:nvGrpSpPr>
+        <p:cNvPr id="1" name=""/>
+        <p:cNvGrpSpPr/>
+        <p:nvPr/>
+      </p:nvGrpSpPr>
+      <p:grpSpPr>
+        <a:xfrm>
+          <a:off x="0" y="0"/>
+          <a:ext cx="0" cy="0"/>
+          <a:chOff x="0" y="0"/>
+          <a:chExt cx="0" cy="0"/>
+        </a:xfrm>
+      </p:grpSpPr>
+      <p:sp>
+        <p:nvSpPr>
+          <p:cNvPr id="2" name="Title 1">
+            <a:extLst>
+              <a:ext uri="{FF2B5EF4-FFF2-40B4-BE49-F238E27FC236}">
+                <a16:creationId xmlns:a16="http://schemas.microsoft.com/office/drawing/2014/main" id="{B5C4FBAF-8571-4F57-ADE4-7000CCAFD6C5}"/>
+              </a:ext>
+            </a:extLst>
+          </p:cNvPr>
+          <p:cNvSpPr>
+            <a:spLocks noGrp="1"/>
+          </p:cNvSpPr>
+          <p:nvPr>
+            <p:ph type="title"/>
+          </p:nvPr>
+        </p:nvSpPr>
+        <p:spPr/>
+        <p:txBody>
+          <a:bodyPr/>
+          <a:lstStyle/>
+          <a:p>
+            <a:r>
+              <a:rPr lang="en-US" dirty="0" smtClean="0"/>
+              <a:t>Proble</a:t>
+            </a:r>
+            <a:r>
+              <a:rPr lang="en-US" dirty="0"/>
+              <a:t>m</a:t>
+            </a:r>
+            <a:r>
+              <a:rPr lang="hy-AM" dirty="0" smtClean="0"/>
+              <a:t> </a:t>
+            </a:r>
+            <a:r>
+              <a:rPr lang="en-US" dirty="0" smtClean="0"/>
+              <a:t>12 factorial</a:t>
+            </a:r>
+            <a:endParaRPr lang="en-US" dirty="0"/>
+          </a:p>
+        </p:txBody>
+      </p:sp>
+      <p:sp>
+        <p:nvSpPr>
+          <p:cNvPr id="3" name="Content Placeholder 2">
+            <a:extLst>
+              <a:ext uri="{FF2B5EF4-FFF2-40B4-BE49-F238E27FC236}">
+                <a16:creationId xmlns:a16="http://schemas.microsoft.com/office/drawing/2014/main" id="{723BA1BF-24D5-402A-8403-4D7A7D71BC81}"/>
+              </a:ext>
+            </a:extLst>
+          </p:cNvPr>
+          <p:cNvSpPr>
+            <a:spLocks noGrp="1"/>
+          </p:cNvSpPr>
+          <p:nvPr>
+            <p:ph idx="1"/>
+          </p:nvPr>
+        </p:nvSpPr>
+        <p:spPr/>
+        <p:txBody>
+          <a:bodyPr/>
+          <a:lstStyle/>
+          <a:p>
+            <a:r>
+              <a:rPr lang="en-US" dirty="0" smtClean="0"/>
+              <a:t>Calculate the factorial of n natural numbers</a:t>
+            </a:r>
+            <a:endParaRPr lang="en-US" dirty="0"/>
+          </a:p>
+        </p:txBody>
+      </p:sp>
+    </p:spTree>
+    <p:extLst>
+      <p:ext uri="{BB962C8B-B14F-4D97-AF65-F5344CB8AC3E}">
+        <p14:creationId xmlns:p14="http://schemas.microsoft.com/office/powerpoint/2010/main" val="2761591900"/>
+      </p:ext>
+    </p:extLst>
+  </p:cSld>
+  <p:clrMapOvr>
+    <a:masterClrMapping/>
+  </p:clrMapOvr>
+  <p:timing>
+    <p:tnLst>
+      <p:par>
+        <p:cTn id="1" dur="indefinite" restart="never" nodeType="tmRoot"/>
+      </p:par>
+    </p:tnLst>
+  </p:timing>
+</p:sld>
+</file>
+
+<file path=ppt/slides/slide59.xml><?xml version="1.0" encoding="utf-8"?>
+<p:sld xmlns:a="http://schemas.openxmlformats.org/drawingml/2006/main" xmlns:r="http://schemas.openxmlformats.org/officeDocument/2006/relationships" xmlns:p="http://schemas.openxmlformats.org/presentationml/2006/main">
+  <p:cSld>
+    <p:spTree>
+      <p:nvGrpSpPr>
+        <p:cNvPr id="1" name=""/>
+        <p:cNvGrpSpPr/>
+        <p:nvPr/>
+      </p:nvGrpSpPr>
+      <p:grpSpPr>
+        <a:xfrm>
+          <a:off x="0" y="0"/>
+          <a:ext cx="0" cy="0"/>
+          <a:chOff x="0" y="0"/>
+          <a:chExt cx="0" cy="0"/>
+        </a:xfrm>
+      </p:grpSpPr>
+      <p:sp>
+        <p:nvSpPr>
+          <p:cNvPr id="2" name="Title 1">
+            <a:extLst>
+              <a:ext uri="{FF2B5EF4-FFF2-40B4-BE49-F238E27FC236}">
+                <a16:creationId xmlns:a16="http://schemas.microsoft.com/office/drawing/2014/main" id="{B5C4FBAF-8571-4F57-ADE4-7000CCAFD6C5}"/>
+              </a:ext>
+            </a:extLst>
+          </p:cNvPr>
+          <p:cNvSpPr>
+            <a:spLocks noGrp="1"/>
+          </p:cNvSpPr>
+          <p:nvPr>
+            <p:ph type="title"/>
+          </p:nvPr>
+        </p:nvSpPr>
+        <p:spPr/>
+        <p:txBody>
+          <a:bodyPr/>
+          <a:lstStyle/>
+          <a:p>
+            <a:r>
+              <a:rPr lang="en-US" dirty="0" smtClean="0"/>
+              <a:t>Proble</a:t>
+            </a:r>
+            <a:r>
+              <a:rPr lang="en-US" dirty="0"/>
+              <a:t>m</a:t>
+            </a:r>
+            <a:r>
+              <a:rPr lang="hy-AM" dirty="0" smtClean="0"/>
+              <a:t> </a:t>
+            </a:r>
+            <a:r>
+              <a:rPr lang="en-US" dirty="0" smtClean="0"/>
+              <a:t>12 factorial</a:t>
+            </a:r>
+            <a:endParaRPr lang="en-US" dirty="0"/>
+          </a:p>
+        </p:txBody>
+      </p:sp>
+      <p:sp>
+        <p:nvSpPr>
+          <p:cNvPr id="3" name="Content Placeholder 2">
+            <a:extLst>
+              <a:ext uri="{FF2B5EF4-FFF2-40B4-BE49-F238E27FC236}">
+                <a16:creationId xmlns:a16="http://schemas.microsoft.com/office/drawing/2014/main" id="{723BA1BF-24D5-402A-8403-4D7A7D71BC81}"/>
+              </a:ext>
+            </a:extLst>
+          </p:cNvPr>
+          <p:cNvSpPr>
+            <a:spLocks noGrp="1"/>
+          </p:cNvSpPr>
+          <p:nvPr>
+            <p:ph idx="1"/>
+          </p:nvPr>
+        </p:nvSpPr>
+        <p:spPr/>
+        <p:txBody>
+          <a:bodyPr/>
+          <a:lstStyle/>
+          <a:p>
+            <a:r>
+              <a:rPr lang="en-US" dirty="0" smtClean="0"/>
+              <a:t>Calculate the factorial of n natural numbers</a:t>
+            </a:r>
+            <a:endParaRPr lang="en-US" dirty="0"/>
+          </a:p>
+        </p:txBody>
+      </p:sp>
+      <p:pic>
+        <p:nvPicPr>
+          <p:cNvPr id="5" name="Picture 4"/>
+          <p:cNvPicPr>
+            <a:picLocks noChangeAspect="1"/>
+          </p:cNvPicPr>
+          <p:nvPr/>
+        </p:nvPicPr>
+        <p:blipFill>
+          <a:blip r:embed="rId2"/>
+          <a:stretch>
+            <a:fillRect/>
+          </a:stretch>
+        </p:blipFill>
+        <p:spPr>
+          <a:xfrm>
+            <a:off x="838200" y="2276475"/>
+            <a:ext cx="6382617" cy="3900488"/>
+          </a:xfrm>
+          <a:prstGeom prst="rect">
+            <a:avLst/>
+          </a:prstGeom>
+        </p:spPr>
+      </p:pic>
+      <p:sp>
+        <p:nvSpPr>
+          <p:cNvPr id="6" name="TextBox 5"/>
+          <p:cNvSpPr txBox="1"/>
+          <p:nvPr/>
+        </p:nvSpPr>
+        <p:spPr>
+          <a:xfrm>
+            <a:off x="8248650" y="4001294"/>
+            <a:ext cx="2838450" cy="1754326"/>
+          </a:xfrm>
+          <a:prstGeom prst="rect">
+            <a:avLst/>
+          </a:prstGeom>
+          <a:noFill/>
+        </p:spPr>
+        <p:txBody>
+          <a:bodyPr wrap="square" rtlCol="0">
+            <a:spAutoFit/>
+          </a:bodyPr>
+          <a:lstStyle/>
+          <a:p>
+            <a:r>
+              <a:rPr lang="en-US" sz="3600" dirty="0" smtClean="0"/>
+              <a:t>0! -?</a:t>
+            </a:r>
+          </a:p>
+          <a:p>
+            <a:r>
+              <a:rPr lang="en-US" sz="3600" dirty="0" smtClean="0"/>
+              <a:t>(2k)!! -?</a:t>
+            </a:r>
+          </a:p>
+          <a:p>
+            <a:r>
+              <a:rPr lang="en-US" sz="3600" dirty="0" smtClean="0"/>
+              <a:t>(2k+1)!! -?</a:t>
+            </a:r>
+            <a:endParaRPr lang="en-US" sz="3600" dirty="0"/>
+          </a:p>
+        </p:txBody>
+      </p:sp>
+    </p:spTree>
+    <p:extLst>
+      <p:ext uri="{BB962C8B-B14F-4D97-AF65-F5344CB8AC3E}">
+        <p14:creationId xmlns:p14="http://schemas.microsoft.com/office/powerpoint/2010/main" val="4251292601"/>
+      </p:ext>
+    </p:extLst>
+  </p:cSld>
+  <p:clrMapOvr>
+    <a:masterClrMapping/>
+  </p:clrMapOvr>
+  <p:timing>
+    <p:tnLst>
+      <p:par>
+        <p:cTn id="1" dur="indefinite" restart="never" nodeType="tmRoot"/>
+      </p:par>
+    </p:tnLst>
+  </p:timing>
 </p:sld>
 </file>
 
@@ -9958,6 +11314,1017 @@
     <p:extLst>
       <p:ext uri="{BB962C8B-B14F-4D97-AF65-F5344CB8AC3E}">
         <p14:creationId xmlns:p14="http://schemas.microsoft.com/office/powerpoint/2010/main" val="3086740751"/>
+      </p:ext>
+    </p:extLst>
+  </p:cSld>
+  <p:clrMapOvr>
+    <a:masterClrMapping/>
+  </p:clrMapOvr>
+</p:sld>
+</file>
+
+<file path=ppt/slides/slide60.xml><?xml version="1.0" encoding="utf-8"?>
+<p:sld xmlns:a="http://schemas.openxmlformats.org/drawingml/2006/main" xmlns:r="http://schemas.openxmlformats.org/officeDocument/2006/relationships" xmlns:p="http://schemas.openxmlformats.org/presentationml/2006/main">
+  <p:cSld>
+    <p:spTree>
+      <p:nvGrpSpPr>
+        <p:cNvPr id="1" name=""/>
+        <p:cNvGrpSpPr/>
+        <p:nvPr/>
+      </p:nvGrpSpPr>
+      <p:grpSpPr>
+        <a:xfrm>
+          <a:off x="0" y="0"/>
+          <a:ext cx="0" cy="0"/>
+          <a:chOff x="0" y="0"/>
+          <a:chExt cx="0" cy="0"/>
+        </a:xfrm>
+      </p:grpSpPr>
+      <p:sp>
+        <p:nvSpPr>
+          <p:cNvPr id="2" name="Title 1"/>
+          <p:cNvSpPr>
+            <a:spLocks noGrp="1"/>
+          </p:cNvSpPr>
+          <p:nvPr>
+            <p:ph type="title"/>
+          </p:nvPr>
+        </p:nvSpPr>
+        <p:spPr/>
+        <p:txBody>
+          <a:bodyPr/>
+          <a:lstStyle/>
+          <a:p>
+            <a:r>
+              <a:rPr lang="en-US" dirty="0" smtClean="0"/>
+              <a:t>While…wend</a:t>
+            </a:r>
+            <a:endParaRPr lang="en-US" dirty="0"/>
+          </a:p>
+        </p:txBody>
+      </p:sp>
+      <p:sp>
+        <p:nvSpPr>
+          <p:cNvPr id="3" name="Content Placeholder 2"/>
+          <p:cNvSpPr>
+            <a:spLocks noGrp="1"/>
+          </p:cNvSpPr>
+          <p:nvPr>
+            <p:ph idx="1"/>
+          </p:nvPr>
+        </p:nvSpPr>
+        <p:spPr/>
+        <p:txBody>
+          <a:bodyPr/>
+          <a:lstStyle/>
+          <a:p>
+            <a:r>
+              <a:rPr lang="en-US" dirty="0"/>
+              <a:t>Executes a series of </a:t>
+            </a:r>
+            <a:r>
+              <a:rPr lang="en-US" dirty="0" smtClean="0"/>
+              <a:t>statements</a:t>
+            </a:r>
+            <a:r>
+              <a:rPr lang="en-US" dirty="0"/>
+              <a:t> as long as a given condition is </a:t>
+            </a:r>
+            <a:r>
+              <a:rPr lang="en-US" b="1" dirty="0" smtClean="0"/>
+              <a:t>True</a:t>
+            </a:r>
+          </a:p>
+          <a:p>
+            <a:r>
+              <a:rPr lang="en-US" b="1" dirty="0"/>
+              <a:t>While</a:t>
+            </a:r>
+            <a:r>
+              <a:rPr lang="en-US" dirty="0"/>
+              <a:t> </a:t>
+            </a:r>
+            <a:r>
+              <a:rPr lang="en-US" i="1" dirty="0"/>
+              <a:t>condition</a:t>
+            </a:r>
+            <a:r>
+              <a:rPr lang="en-US" dirty="0"/>
+              <a:t> [ </a:t>
+            </a:r>
+            <a:r>
+              <a:rPr lang="en-US" i="1" dirty="0"/>
+              <a:t>statements</a:t>
+            </a:r>
+            <a:r>
+              <a:rPr lang="en-US" dirty="0"/>
+              <a:t> ] </a:t>
+            </a:r>
+            <a:r>
+              <a:rPr lang="en-US" b="1" dirty="0"/>
+              <a:t>Wend</a:t>
+            </a:r>
+            <a:endParaRPr lang="en-US" b="1" dirty="0" smtClean="0"/>
+          </a:p>
+          <a:p>
+            <a:endParaRPr lang="en-US" dirty="0"/>
+          </a:p>
+        </p:txBody>
+      </p:sp>
+      <p:pic>
+        <p:nvPicPr>
+          <p:cNvPr id="4" name="Picture 3"/>
+          <p:cNvPicPr>
+            <a:picLocks noChangeAspect="1"/>
+          </p:cNvPicPr>
+          <p:nvPr/>
+        </p:nvPicPr>
+        <p:blipFill>
+          <a:blip r:embed="rId2"/>
+          <a:stretch>
+            <a:fillRect/>
+          </a:stretch>
+        </p:blipFill>
+        <p:spPr>
+          <a:xfrm>
+            <a:off x="838200" y="3048448"/>
+            <a:ext cx="5950313" cy="3128515"/>
+          </a:xfrm>
+          <a:prstGeom prst="rect">
+            <a:avLst/>
+          </a:prstGeom>
+        </p:spPr>
+      </p:pic>
+      <p:sp>
+        <p:nvSpPr>
+          <p:cNvPr id="5" name="TextBox 4"/>
+          <p:cNvSpPr txBox="1"/>
+          <p:nvPr/>
+        </p:nvSpPr>
+        <p:spPr>
+          <a:xfrm>
+            <a:off x="7753350" y="4243373"/>
+            <a:ext cx="4057650" cy="369332"/>
+          </a:xfrm>
+          <a:prstGeom prst="rect">
+            <a:avLst/>
+          </a:prstGeom>
+          <a:noFill/>
+        </p:spPr>
+        <p:txBody>
+          <a:bodyPr wrap="square" rtlCol="0">
+            <a:spAutoFit/>
+          </a:bodyPr>
+          <a:lstStyle/>
+          <a:p>
+            <a:r>
+              <a:rPr lang="en-US" dirty="0" smtClean="0"/>
+              <a:t>What if Counter = 21?</a:t>
+            </a:r>
+            <a:endParaRPr lang="en-US" dirty="0"/>
+          </a:p>
+        </p:txBody>
+      </p:sp>
+    </p:spTree>
+    <p:extLst>
+      <p:ext uri="{BB962C8B-B14F-4D97-AF65-F5344CB8AC3E}">
+        <p14:creationId xmlns:p14="http://schemas.microsoft.com/office/powerpoint/2010/main" val="4197192065"/>
+      </p:ext>
+    </p:extLst>
+  </p:cSld>
+  <p:clrMapOvr>
+    <a:masterClrMapping/>
+  </p:clrMapOvr>
+  <p:timing>
+    <p:tnLst>
+      <p:par>
+        <p:cTn id="1" dur="indefinite" restart="never" nodeType="tmRoot"/>
+      </p:par>
+    </p:tnLst>
+  </p:timing>
+</p:sld>
+</file>
+
+<file path=ppt/slides/slide61.xml><?xml version="1.0" encoding="utf-8"?>
+<p:sld xmlns:a="http://schemas.openxmlformats.org/drawingml/2006/main" xmlns:r="http://schemas.openxmlformats.org/officeDocument/2006/relationships" xmlns:p="http://schemas.openxmlformats.org/presentationml/2006/main">
+  <p:cSld>
+    <p:spTree>
+      <p:nvGrpSpPr>
+        <p:cNvPr id="1" name=""/>
+        <p:cNvGrpSpPr/>
+        <p:nvPr/>
+      </p:nvGrpSpPr>
+      <p:grpSpPr>
+        <a:xfrm>
+          <a:off x="0" y="0"/>
+          <a:ext cx="0" cy="0"/>
+          <a:chOff x="0" y="0"/>
+          <a:chExt cx="0" cy="0"/>
+        </a:xfrm>
+      </p:grpSpPr>
+      <p:sp>
+        <p:nvSpPr>
+          <p:cNvPr id="2" name="Title 1"/>
+          <p:cNvSpPr>
+            <a:spLocks noGrp="1"/>
+          </p:cNvSpPr>
+          <p:nvPr>
+            <p:ph type="title"/>
+          </p:nvPr>
+        </p:nvSpPr>
+        <p:spPr/>
+        <p:txBody>
+          <a:bodyPr/>
+          <a:lstStyle/>
+          <a:p>
+            <a:r>
+              <a:rPr lang="en-US" dirty="0" smtClean="0"/>
+              <a:t>Problem 13 while wend</a:t>
+            </a:r>
+            <a:endParaRPr lang="en-US" dirty="0"/>
+          </a:p>
+        </p:txBody>
+      </p:sp>
+      <p:sp>
+        <p:nvSpPr>
+          <p:cNvPr id="8" name="Content Placeholder 7"/>
+          <p:cNvSpPr>
+            <a:spLocks noGrp="1"/>
+          </p:cNvSpPr>
+          <p:nvPr>
+            <p:ph idx="1"/>
+          </p:nvPr>
+        </p:nvSpPr>
+        <p:spPr/>
+        <p:txBody>
+          <a:bodyPr/>
+          <a:lstStyle/>
+          <a:p>
+            <a:r>
+              <a:rPr lang="en-US" dirty="0"/>
+              <a:t>I</a:t>
+            </a:r>
+            <a:r>
+              <a:rPr lang="en-US" dirty="0" smtClean="0"/>
+              <a:t> </a:t>
+            </a:r>
+            <a:r>
+              <a:rPr lang="en-US" dirty="0"/>
+              <a:t>deposited </a:t>
+            </a:r>
+            <a:r>
+              <a:rPr lang="en-US" dirty="0" smtClean="0"/>
+              <a:t>1000$. How </a:t>
+            </a:r>
+            <a:r>
+              <a:rPr lang="en-US" dirty="0"/>
+              <a:t>many </a:t>
+            </a:r>
+            <a:r>
+              <a:rPr lang="en-US" dirty="0" smtClean="0"/>
+              <a:t>days do I wait to have 20,000$ </a:t>
+            </a:r>
+            <a:r>
+              <a:rPr lang="en-US" dirty="0"/>
+              <a:t>rubles, if the </a:t>
+            </a:r>
+            <a:r>
+              <a:rPr lang="en-US" dirty="0" smtClean="0"/>
+              <a:t>interest </a:t>
+            </a:r>
+            <a:r>
+              <a:rPr lang="en-US" dirty="0"/>
+              <a:t>is 0.6% per day.</a:t>
+            </a:r>
+          </a:p>
+        </p:txBody>
+      </p:sp>
+    </p:spTree>
+    <p:extLst>
+      <p:ext uri="{BB962C8B-B14F-4D97-AF65-F5344CB8AC3E}">
+        <p14:creationId xmlns:p14="http://schemas.microsoft.com/office/powerpoint/2010/main" val="4051899968"/>
+      </p:ext>
+    </p:extLst>
+  </p:cSld>
+  <p:clrMapOvr>
+    <a:masterClrMapping/>
+  </p:clrMapOvr>
+</p:sld>
+</file>
+
+<file path=ppt/slides/slide62.xml><?xml version="1.0" encoding="utf-8"?>
+<p:sld xmlns:a="http://schemas.openxmlformats.org/drawingml/2006/main" xmlns:r="http://schemas.openxmlformats.org/officeDocument/2006/relationships" xmlns:p="http://schemas.openxmlformats.org/presentationml/2006/main">
+  <p:cSld>
+    <p:spTree>
+      <p:nvGrpSpPr>
+        <p:cNvPr id="1" name=""/>
+        <p:cNvGrpSpPr/>
+        <p:nvPr/>
+      </p:nvGrpSpPr>
+      <p:grpSpPr>
+        <a:xfrm>
+          <a:off x="0" y="0"/>
+          <a:ext cx="0" cy="0"/>
+          <a:chOff x="0" y="0"/>
+          <a:chExt cx="0" cy="0"/>
+        </a:xfrm>
+      </p:grpSpPr>
+      <p:sp>
+        <p:nvSpPr>
+          <p:cNvPr id="2" name="Title 1"/>
+          <p:cNvSpPr>
+            <a:spLocks noGrp="1"/>
+          </p:cNvSpPr>
+          <p:nvPr>
+            <p:ph type="title"/>
+          </p:nvPr>
+        </p:nvSpPr>
+        <p:spPr/>
+        <p:txBody>
+          <a:bodyPr/>
+          <a:lstStyle/>
+          <a:p>
+            <a:r>
+              <a:rPr lang="en-US" dirty="0" smtClean="0"/>
+              <a:t>Problem 13 while wend</a:t>
+            </a:r>
+            <a:endParaRPr lang="en-US" dirty="0"/>
+          </a:p>
+        </p:txBody>
+      </p:sp>
+      <p:pic>
+        <p:nvPicPr>
+          <p:cNvPr id="5" name="Content Placeholder 4"/>
+          <p:cNvPicPr>
+            <a:picLocks noGrp="1" noChangeAspect="1"/>
+          </p:cNvPicPr>
+          <p:nvPr>
+            <p:ph idx="1"/>
+          </p:nvPr>
+        </p:nvPicPr>
+        <p:blipFill>
+          <a:blip r:embed="rId2"/>
+          <a:stretch>
+            <a:fillRect/>
+          </a:stretch>
+        </p:blipFill>
+        <p:spPr>
+          <a:xfrm>
+            <a:off x="838200" y="1467643"/>
+            <a:ext cx="5505450" cy="4994635"/>
+          </a:xfrm>
+          <a:prstGeom prst="rect">
+            <a:avLst/>
+          </a:prstGeom>
+        </p:spPr>
+      </p:pic>
+    </p:spTree>
+    <p:extLst>
+      <p:ext uri="{BB962C8B-B14F-4D97-AF65-F5344CB8AC3E}">
+        <p14:creationId xmlns:p14="http://schemas.microsoft.com/office/powerpoint/2010/main" val="961109459"/>
+      </p:ext>
+    </p:extLst>
+  </p:cSld>
+  <p:clrMapOvr>
+    <a:masterClrMapping/>
+  </p:clrMapOvr>
+</p:sld>
+</file>
+
+<file path=ppt/slides/slide63.xml><?xml version="1.0" encoding="utf-8"?>
+<p:sld xmlns:a="http://schemas.openxmlformats.org/drawingml/2006/main" xmlns:r="http://schemas.openxmlformats.org/officeDocument/2006/relationships" xmlns:p="http://schemas.openxmlformats.org/presentationml/2006/main">
+  <p:cSld>
+    <p:spTree>
+      <p:nvGrpSpPr>
+        <p:cNvPr id="1" name=""/>
+        <p:cNvGrpSpPr/>
+        <p:nvPr/>
+      </p:nvGrpSpPr>
+      <p:grpSpPr>
+        <a:xfrm>
+          <a:off x="0" y="0"/>
+          <a:ext cx="0" cy="0"/>
+          <a:chOff x="0" y="0"/>
+          <a:chExt cx="0" cy="0"/>
+        </a:xfrm>
+      </p:grpSpPr>
+      <p:sp>
+        <p:nvSpPr>
+          <p:cNvPr id="2" name="Title 1"/>
+          <p:cNvSpPr>
+            <a:spLocks noGrp="1"/>
+          </p:cNvSpPr>
+          <p:nvPr>
+            <p:ph type="title"/>
+          </p:nvPr>
+        </p:nvSpPr>
+        <p:spPr/>
+        <p:txBody>
+          <a:bodyPr/>
+          <a:lstStyle/>
+          <a:p>
+            <a:r>
+              <a:rPr lang="en-US" dirty="0" smtClean="0"/>
+              <a:t>Do … while</a:t>
+            </a:r>
+            <a:endParaRPr lang="en-US" dirty="0"/>
+          </a:p>
+        </p:txBody>
+      </p:sp>
+      <p:sp>
+        <p:nvSpPr>
+          <p:cNvPr id="3" name="Content Placeholder 2"/>
+          <p:cNvSpPr>
+            <a:spLocks noGrp="1"/>
+          </p:cNvSpPr>
+          <p:nvPr>
+            <p:ph idx="1"/>
+          </p:nvPr>
+        </p:nvSpPr>
+        <p:spPr/>
+        <p:txBody>
+          <a:bodyPr/>
+          <a:lstStyle/>
+          <a:p>
+            <a:r>
+              <a:rPr lang="en-US" dirty="0"/>
+              <a:t>To </a:t>
+            </a:r>
+            <a:r>
+              <a:rPr lang="en-US" b="1" dirty="0"/>
+              <a:t>repeat</a:t>
+            </a:r>
+            <a:r>
+              <a:rPr lang="en-US" dirty="0"/>
+              <a:t> a set of statements as long as the condition is </a:t>
+            </a:r>
+            <a:r>
+              <a:rPr lang="en-US" dirty="0" smtClean="0"/>
+              <a:t>true</a:t>
+            </a:r>
+          </a:p>
+          <a:p>
+            <a:endParaRPr lang="en-US" dirty="0"/>
+          </a:p>
+          <a:p>
+            <a:endParaRPr lang="en-US" dirty="0" smtClean="0"/>
+          </a:p>
+          <a:p>
+            <a:endParaRPr lang="en-US" dirty="0"/>
+          </a:p>
+        </p:txBody>
+      </p:sp>
+      <p:pic>
+        <p:nvPicPr>
+          <p:cNvPr id="5" name="Picture 4"/>
+          <p:cNvPicPr>
+            <a:picLocks noChangeAspect="1"/>
+          </p:cNvPicPr>
+          <p:nvPr/>
+        </p:nvPicPr>
+        <p:blipFill>
+          <a:blip r:embed="rId2"/>
+          <a:stretch>
+            <a:fillRect/>
+          </a:stretch>
+        </p:blipFill>
+        <p:spPr>
+          <a:xfrm>
+            <a:off x="838200" y="2598737"/>
+            <a:ext cx="6048018" cy="2805113"/>
+          </a:xfrm>
+          <a:prstGeom prst="rect">
+            <a:avLst/>
+          </a:prstGeom>
+        </p:spPr>
+      </p:pic>
+    </p:spTree>
+    <p:extLst>
+      <p:ext uri="{BB962C8B-B14F-4D97-AF65-F5344CB8AC3E}">
+        <p14:creationId xmlns:p14="http://schemas.microsoft.com/office/powerpoint/2010/main" val="4000284334"/>
+      </p:ext>
+    </p:extLst>
+  </p:cSld>
+  <p:clrMapOvr>
+    <a:masterClrMapping/>
+  </p:clrMapOvr>
+</p:sld>
+</file>
+
+<file path=ppt/slides/slide64.xml><?xml version="1.0" encoding="utf-8"?>
+<p:sld xmlns:a="http://schemas.openxmlformats.org/drawingml/2006/main" xmlns:r="http://schemas.openxmlformats.org/officeDocument/2006/relationships" xmlns:p="http://schemas.openxmlformats.org/presentationml/2006/main">
+  <p:cSld>
+    <p:spTree>
+      <p:nvGrpSpPr>
+        <p:cNvPr id="1" name=""/>
+        <p:cNvGrpSpPr/>
+        <p:nvPr/>
+      </p:nvGrpSpPr>
+      <p:grpSpPr>
+        <a:xfrm>
+          <a:off x="0" y="0"/>
+          <a:ext cx="0" cy="0"/>
+          <a:chOff x="0" y="0"/>
+          <a:chExt cx="0" cy="0"/>
+        </a:xfrm>
+      </p:grpSpPr>
+      <p:sp>
+        <p:nvSpPr>
+          <p:cNvPr id="2" name="Title 1"/>
+          <p:cNvSpPr>
+            <a:spLocks noGrp="1"/>
+          </p:cNvSpPr>
+          <p:nvPr>
+            <p:ph type="title"/>
+          </p:nvPr>
+        </p:nvSpPr>
+        <p:spPr/>
+        <p:txBody>
+          <a:bodyPr/>
+          <a:lstStyle/>
+          <a:p>
+            <a:r>
+              <a:rPr lang="en-US" dirty="0" smtClean="0"/>
+              <a:t>Do … until</a:t>
+            </a:r>
+            <a:endParaRPr lang="en-US" dirty="0"/>
+          </a:p>
+        </p:txBody>
+      </p:sp>
+      <p:sp>
+        <p:nvSpPr>
+          <p:cNvPr id="3" name="Content Placeholder 2"/>
+          <p:cNvSpPr>
+            <a:spLocks noGrp="1"/>
+          </p:cNvSpPr>
+          <p:nvPr>
+            <p:ph idx="1"/>
+          </p:nvPr>
+        </p:nvSpPr>
+        <p:spPr/>
+        <p:txBody>
+          <a:bodyPr/>
+          <a:lstStyle/>
+          <a:p>
+            <a:r>
+              <a:rPr lang="en-US" dirty="0"/>
+              <a:t>Loop will be repeated until the part after Do Until is true.</a:t>
+            </a:r>
+            <a:endParaRPr lang="en-US" dirty="0"/>
+          </a:p>
+          <a:p>
+            <a:endParaRPr lang="en-US" dirty="0" smtClean="0"/>
+          </a:p>
+          <a:p>
+            <a:endParaRPr lang="en-US" dirty="0"/>
+          </a:p>
+        </p:txBody>
+      </p:sp>
+      <p:pic>
+        <p:nvPicPr>
+          <p:cNvPr id="4" name="Picture 3"/>
+          <p:cNvPicPr>
+            <a:picLocks noChangeAspect="1"/>
+          </p:cNvPicPr>
+          <p:nvPr/>
+        </p:nvPicPr>
+        <p:blipFill>
+          <a:blip r:embed="rId2"/>
+          <a:stretch>
+            <a:fillRect/>
+          </a:stretch>
+        </p:blipFill>
+        <p:spPr>
+          <a:xfrm>
+            <a:off x="1052512" y="2638425"/>
+            <a:ext cx="7993685" cy="3538538"/>
+          </a:xfrm>
+          <a:prstGeom prst="rect">
+            <a:avLst/>
+          </a:prstGeom>
+        </p:spPr>
+      </p:pic>
+    </p:spTree>
+    <p:extLst>
+      <p:ext uri="{BB962C8B-B14F-4D97-AF65-F5344CB8AC3E}">
+        <p14:creationId xmlns:p14="http://schemas.microsoft.com/office/powerpoint/2010/main" val="3426309914"/>
+      </p:ext>
+    </p:extLst>
+  </p:cSld>
+  <p:clrMapOvr>
+    <a:masterClrMapping/>
+  </p:clrMapOvr>
+</p:sld>
+</file>
+
+<file path=ppt/slides/slide65.xml><?xml version="1.0" encoding="utf-8"?>
+<p:sld xmlns:a="http://schemas.openxmlformats.org/drawingml/2006/main" xmlns:r="http://schemas.openxmlformats.org/officeDocument/2006/relationships" xmlns:p="http://schemas.openxmlformats.org/presentationml/2006/main">
+  <p:cSld>
+    <p:spTree>
+      <p:nvGrpSpPr>
+        <p:cNvPr id="1" name=""/>
+        <p:cNvGrpSpPr/>
+        <p:nvPr/>
+      </p:nvGrpSpPr>
+      <p:grpSpPr>
+        <a:xfrm>
+          <a:off x="0" y="0"/>
+          <a:ext cx="0" cy="0"/>
+          <a:chOff x="0" y="0"/>
+          <a:chExt cx="0" cy="0"/>
+        </a:xfrm>
+      </p:grpSpPr>
+      <p:sp>
+        <p:nvSpPr>
+          <p:cNvPr id="3" name="Content Placeholder 2"/>
+          <p:cNvSpPr>
+            <a:spLocks noGrp="1"/>
+          </p:cNvSpPr>
+          <p:nvPr>
+            <p:ph idx="1"/>
+          </p:nvPr>
+        </p:nvSpPr>
+        <p:spPr/>
+        <p:txBody>
+          <a:bodyPr/>
+          <a:lstStyle/>
+          <a:p>
+            <a:r>
+              <a:rPr lang="en-US" dirty="0" smtClean="0"/>
+              <a:t>Create a function which calculate the  amount of fixed deposit.</a:t>
+            </a:r>
+            <a:endParaRPr lang="en-US" dirty="0"/>
+          </a:p>
+        </p:txBody>
+      </p:sp>
+      <p:sp>
+        <p:nvSpPr>
+          <p:cNvPr id="6" name="Title 1">
+            <a:extLst>
+              <a:ext uri="{FF2B5EF4-FFF2-40B4-BE49-F238E27FC236}">
+                <a16:creationId xmlns:a16="http://schemas.microsoft.com/office/drawing/2014/main" id="{B5C4FBAF-8571-4F57-ADE4-7000CCAFD6C5}"/>
+              </a:ext>
+            </a:extLst>
+          </p:cNvPr>
+          <p:cNvSpPr>
+            <a:spLocks noGrp="1"/>
+          </p:cNvSpPr>
+          <p:nvPr>
+            <p:ph type="title"/>
+          </p:nvPr>
+        </p:nvSpPr>
+        <p:spPr/>
+        <p:txBody>
+          <a:bodyPr/>
+          <a:lstStyle/>
+          <a:p>
+            <a:r>
+              <a:rPr lang="en-US" dirty="0" smtClean="0"/>
+              <a:t>Problem</a:t>
+            </a:r>
+            <a:r>
+              <a:rPr lang="hy-AM" dirty="0" smtClean="0"/>
+              <a:t> </a:t>
+            </a:r>
+            <a:r>
+              <a:rPr lang="en-US" dirty="0" smtClean="0"/>
+              <a:t>1</a:t>
+            </a:r>
+            <a:r>
+              <a:rPr lang="en-US" dirty="0"/>
+              <a:t>4</a:t>
+            </a:r>
+            <a:r>
+              <a:rPr lang="en-US" dirty="0" smtClean="0"/>
+              <a:t> do while</a:t>
+            </a:r>
+            <a:endParaRPr lang="en-US" dirty="0"/>
+          </a:p>
+        </p:txBody>
+      </p:sp>
+      <p:pic>
+        <p:nvPicPr>
+          <p:cNvPr id="2" name="Picture 1"/>
+          <p:cNvPicPr>
+            <a:picLocks noChangeAspect="1"/>
+          </p:cNvPicPr>
+          <p:nvPr/>
+        </p:nvPicPr>
+        <p:blipFill>
+          <a:blip r:embed="rId2"/>
+          <a:stretch>
+            <a:fillRect/>
+          </a:stretch>
+        </p:blipFill>
+        <p:spPr>
+          <a:xfrm>
+            <a:off x="1052512" y="2519362"/>
+            <a:ext cx="5119688" cy="4195139"/>
+          </a:xfrm>
+          <a:prstGeom prst="rect">
+            <a:avLst/>
+          </a:prstGeom>
+        </p:spPr>
+      </p:pic>
+    </p:spTree>
+    <p:extLst>
+      <p:ext uri="{BB962C8B-B14F-4D97-AF65-F5344CB8AC3E}">
+        <p14:creationId xmlns:p14="http://schemas.microsoft.com/office/powerpoint/2010/main" val="3899303765"/>
+      </p:ext>
+    </p:extLst>
+  </p:cSld>
+  <p:clrMapOvr>
+    <a:masterClrMapping/>
+  </p:clrMapOvr>
+</p:sld>
+</file>
+
+<file path=ppt/slides/slide66.xml><?xml version="1.0" encoding="utf-8"?>
+<p:sld xmlns:a="http://schemas.openxmlformats.org/drawingml/2006/main" xmlns:r="http://schemas.openxmlformats.org/officeDocument/2006/relationships" xmlns:p="http://schemas.openxmlformats.org/presentationml/2006/main">
+  <p:cSld>
+    <p:spTree>
+      <p:nvGrpSpPr>
+        <p:cNvPr id="1" name=""/>
+        <p:cNvGrpSpPr/>
+        <p:nvPr/>
+      </p:nvGrpSpPr>
+      <p:grpSpPr>
+        <a:xfrm>
+          <a:off x="0" y="0"/>
+          <a:ext cx="0" cy="0"/>
+          <a:chOff x="0" y="0"/>
+          <a:chExt cx="0" cy="0"/>
+        </a:xfrm>
+      </p:grpSpPr>
+      <p:sp>
+        <p:nvSpPr>
+          <p:cNvPr id="3" name="Content Placeholder 2"/>
+          <p:cNvSpPr>
+            <a:spLocks noGrp="1"/>
+          </p:cNvSpPr>
+          <p:nvPr>
+            <p:ph idx="1"/>
+          </p:nvPr>
+        </p:nvSpPr>
+        <p:spPr/>
+        <p:txBody>
+          <a:bodyPr/>
+          <a:lstStyle/>
+          <a:p>
+            <a:r>
+              <a:rPr lang="en-US" dirty="0" smtClean="0"/>
+              <a:t>Create a function which calculate the  amount of fixed deposit.</a:t>
+            </a:r>
+          </a:p>
+          <a:p>
+            <a:endParaRPr lang="en-US" dirty="0"/>
+          </a:p>
+        </p:txBody>
+      </p:sp>
+      <p:sp>
+        <p:nvSpPr>
+          <p:cNvPr id="6" name="Title 1">
+            <a:extLst>
+              <a:ext uri="{FF2B5EF4-FFF2-40B4-BE49-F238E27FC236}">
+                <a16:creationId xmlns:a16="http://schemas.microsoft.com/office/drawing/2014/main" id="{B5C4FBAF-8571-4F57-ADE4-7000CCAFD6C5}"/>
+              </a:ext>
+            </a:extLst>
+          </p:cNvPr>
+          <p:cNvSpPr>
+            <a:spLocks noGrp="1"/>
+          </p:cNvSpPr>
+          <p:nvPr>
+            <p:ph type="title"/>
+          </p:nvPr>
+        </p:nvSpPr>
+        <p:spPr/>
+        <p:txBody>
+          <a:bodyPr/>
+          <a:lstStyle/>
+          <a:p>
+            <a:r>
+              <a:rPr lang="en-US" dirty="0" smtClean="0"/>
+              <a:t>Problem</a:t>
+            </a:r>
+            <a:r>
+              <a:rPr lang="hy-AM" dirty="0" smtClean="0"/>
+              <a:t> </a:t>
+            </a:r>
+            <a:r>
+              <a:rPr lang="en-US" dirty="0" smtClean="0"/>
+              <a:t>1</a:t>
+            </a:r>
+            <a:r>
+              <a:rPr lang="en-US" dirty="0"/>
+              <a:t>4</a:t>
+            </a:r>
+            <a:r>
+              <a:rPr lang="en-US" dirty="0" smtClean="0"/>
+              <a:t> do while</a:t>
+            </a:r>
+            <a:endParaRPr lang="en-US" dirty="0"/>
+          </a:p>
+        </p:txBody>
+      </p:sp>
+      <p:pic>
+        <p:nvPicPr>
+          <p:cNvPr id="7" name="Picture 6"/>
+          <p:cNvPicPr>
+            <a:picLocks noChangeAspect="1"/>
+          </p:cNvPicPr>
+          <p:nvPr/>
+        </p:nvPicPr>
+        <p:blipFill>
+          <a:blip r:embed="rId2"/>
+          <a:stretch>
+            <a:fillRect/>
+          </a:stretch>
+        </p:blipFill>
+        <p:spPr>
+          <a:xfrm>
+            <a:off x="700087" y="2386012"/>
+            <a:ext cx="5224463" cy="3667035"/>
+          </a:xfrm>
+          <a:prstGeom prst="rect">
+            <a:avLst/>
+          </a:prstGeom>
+        </p:spPr>
+      </p:pic>
+    </p:spTree>
+    <p:extLst>
+      <p:ext uri="{BB962C8B-B14F-4D97-AF65-F5344CB8AC3E}">
+        <p14:creationId xmlns:p14="http://schemas.microsoft.com/office/powerpoint/2010/main" val="2661329497"/>
+      </p:ext>
+    </p:extLst>
+  </p:cSld>
+  <p:clrMapOvr>
+    <a:masterClrMapping/>
+  </p:clrMapOvr>
+</p:sld>
+</file>
+
+<file path=ppt/slides/slide67.xml><?xml version="1.0" encoding="utf-8"?>
+<p:sld xmlns:a="http://schemas.openxmlformats.org/drawingml/2006/main" xmlns:r="http://schemas.openxmlformats.org/officeDocument/2006/relationships" xmlns:p="http://schemas.openxmlformats.org/presentationml/2006/main">
+  <p:cSld>
+    <p:spTree>
+      <p:nvGrpSpPr>
+        <p:cNvPr id="1" name=""/>
+        <p:cNvGrpSpPr/>
+        <p:nvPr/>
+      </p:nvGrpSpPr>
+      <p:grpSpPr>
+        <a:xfrm>
+          <a:off x="0" y="0"/>
+          <a:ext cx="0" cy="0"/>
+          <a:chOff x="0" y="0"/>
+          <a:chExt cx="0" cy="0"/>
+        </a:xfrm>
+      </p:grpSpPr>
+      <p:sp>
+        <p:nvSpPr>
+          <p:cNvPr id="2" name="Title 1"/>
+          <p:cNvSpPr>
+            <a:spLocks noGrp="1"/>
+          </p:cNvSpPr>
+          <p:nvPr>
+            <p:ph type="title"/>
+          </p:nvPr>
+        </p:nvSpPr>
+        <p:spPr/>
+        <p:txBody>
+          <a:bodyPr/>
+          <a:lstStyle/>
+          <a:p>
+            <a:r>
+              <a:rPr lang="en-US" dirty="0" smtClean="0"/>
+              <a:t>As function</a:t>
+            </a:r>
+            <a:endParaRPr lang="en-US" dirty="0"/>
+          </a:p>
+        </p:txBody>
+      </p:sp>
+      <p:pic>
+        <p:nvPicPr>
+          <p:cNvPr id="4" name="Content Placeholder 3"/>
+          <p:cNvPicPr>
+            <a:picLocks noGrp="1" noChangeAspect="1"/>
+          </p:cNvPicPr>
+          <p:nvPr>
+            <p:ph idx="1"/>
+          </p:nvPr>
+        </p:nvPicPr>
+        <p:blipFill>
+          <a:blip r:embed="rId2"/>
+          <a:stretch>
+            <a:fillRect/>
+          </a:stretch>
+        </p:blipFill>
+        <p:spPr>
+          <a:xfrm>
+            <a:off x="539969" y="1905000"/>
+            <a:ext cx="8661181" cy="3267869"/>
+          </a:xfrm>
+          <a:prstGeom prst="rect">
+            <a:avLst/>
+          </a:prstGeom>
+        </p:spPr>
+      </p:pic>
+    </p:spTree>
+    <p:extLst>
+      <p:ext uri="{BB962C8B-B14F-4D97-AF65-F5344CB8AC3E}">
+        <p14:creationId xmlns:p14="http://schemas.microsoft.com/office/powerpoint/2010/main" val="2834926105"/>
+      </p:ext>
+    </p:extLst>
+  </p:cSld>
+  <p:clrMapOvr>
+    <a:masterClrMapping/>
+  </p:clrMapOvr>
+</p:sld>
+</file>
+
+<file path=ppt/slides/slide68.xml><?xml version="1.0" encoding="utf-8"?>
+<p:sld xmlns:a="http://schemas.openxmlformats.org/drawingml/2006/main" xmlns:r="http://schemas.openxmlformats.org/officeDocument/2006/relationships" xmlns:p="http://schemas.openxmlformats.org/presentationml/2006/main">
+  <p:cSld>
+    <p:spTree>
+      <p:nvGrpSpPr>
+        <p:cNvPr id="1" name=""/>
+        <p:cNvGrpSpPr/>
+        <p:nvPr/>
+      </p:nvGrpSpPr>
+      <p:grpSpPr>
+        <a:xfrm>
+          <a:off x="0" y="0"/>
+          <a:ext cx="0" cy="0"/>
+          <a:chOff x="0" y="0"/>
+          <a:chExt cx="0" cy="0"/>
+        </a:xfrm>
+      </p:grpSpPr>
+      <p:sp>
+        <p:nvSpPr>
+          <p:cNvPr id="2" name="Title 1"/>
+          <p:cNvSpPr>
+            <a:spLocks noGrp="1"/>
+          </p:cNvSpPr>
+          <p:nvPr>
+            <p:ph type="title"/>
+          </p:nvPr>
+        </p:nvSpPr>
+        <p:spPr/>
+        <p:txBody>
+          <a:bodyPr/>
+          <a:lstStyle/>
+          <a:p>
+            <a:r>
+              <a:rPr lang="en-US" dirty="0" smtClean="0"/>
+              <a:t>Bonus</a:t>
+            </a:r>
+            <a:endParaRPr lang="en-US" dirty="0"/>
+          </a:p>
+        </p:txBody>
+      </p:sp>
+      <p:sp>
+        <p:nvSpPr>
+          <p:cNvPr id="3" name="Content Placeholder 2"/>
+          <p:cNvSpPr>
+            <a:spLocks noGrp="1"/>
+          </p:cNvSpPr>
+          <p:nvPr>
+            <p:ph idx="1"/>
+          </p:nvPr>
+        </p:nvSpPr>
+        <p:spPr/>
+        <p:txBody>
+          <a:bodyPr/>
+          <a:lstStyle/>
+          <a:p>
+            <a:r>
+              <a:rPr lang="en-US" dirty="0" smtClean="0"/>
+              <a:t>Touch Typing</a:t>
+            </a:r>
+          </a:p>
+          <a:p>
+            <a:r>
+              <a:rPr lang="en-US" dirty="0" smtClean="0"/>
+              <a:t>R </a:t>
+            </a:r>
+            <a:r>
+              <a:rPr lang="en-US" dirty="0" err="1" smtClean="0"/>
+              <a:t>MarkDown</a:t>
+            </a:r>
+            <a:endParaRPr lang="en-US" dirty="0" smtClean="0"/>
+          </a:p>
+          <a:p>
+            <a:r>
+              <a:rPr lang="en-US" dirty="0" smtClean="0"/>
+              <a:t>Shiny</a:t>
+            </a:r>
+          </a:p>
+        </p:txBody>
+      </p:sp>
+    </p:spTree>
+    <p:extLst>
+      <p:ext uri="{BB962C8B-B14F-4D97-AF65-F5344CB8AC3E}">
+        <p14:creationId xmlns:p14="http://schemas.microsoft.com/office/powerpoint/2010/main" val="3482577454"/>
       </p:ext>
     </p:extLst>
   </p:cSld>
